--- a/diagrams/architecture_diagram.pptx
+++ b/diagrams/architecture_diagram.pptx
@@ -105,6 +105,11 @@
       </a:defRPr>
     </a:lvl9pPr>
   </p:defaultTextStyle>
+  <p:extLst>
+    <p:ext uri="{EFAFB233-063F-42B5-8137-9DF3F51BA10A}">
+      <p15:sldGuideLst xmlns:p15="http://schemas.microsoft.com/office/powerpoint/2012/main"/>
+    </p:ext>
+  </p:extLst>
 </p:presentation>
 </file>
 
@@ -257,7 +262,7 @@
           <a:p>
             <a:fld id="{9BBF2347-4150-4D5E-BE3B-962BCC4C87BD}" type="datetimeFigureOut">
               <a:rPr lang="fr-CH" smtClean="0"/>
-              <a:t>29.03.2023</a:t>
+              <a:t>31.03.2023</a:t>
             </a:fld>
             <a:endParaRPr lang="fr-CH"/>
           </a:p>
@@ -457,7 +462,7 @@
           <a:p>
             <a:fld id="{9BBF2347-4150-4D5E-BE3B-962BCC4C87BD}" type="datetimeFigureOut">
               <a:rPr lang="fr-CH" smtClean="0"/>
-              <a:t>29.03.2023</a:t>
+              <a:t>31.03.2023</a:t>
             </a:fld>
             <a:endParaRPr lang="fr-CH"/>
           </a:p>
@@ -667,7 +672,7 @@
           <a:p>
             <a:fld id="{9BBF2347-4150-4D5E-BE3B-962BCC4C87BD}" type="datetimeFigureOut">
               <a:rPr lang="fr-CH" smtClean="0"/>
-              <a:t>29.03.2023</a:t>
+              <a:t>31.03.2023</a:t>
             </a:fld>
             <a:endParaRPr lang="fr-CH"/>
           </a:p>
@@ -867,7 +872,7 @@
           <a:p>
             <a:fld id="{9BBF2347-4150-4D5E-BE3B-962BCC4C87BD}" type="datetimeFigureOut">
               <a:rPr lang="fr-CH" smtClean="0"/>
-              <a:t>29.03.2023</a:t>
+              <a:t>31.03.2023</a:t>
             </a:fld>
             <a:endParaRPr lang="fr-CH"/>
           </a:p>
@@ -1143,7 +1148,7 @@
           <a:p>
             <a:fld id="{9BBF2347-4150-4D5E-BE3B-962BCC4C87BD}" type="datetimeFigureOut">
               <a:rPr lang="fr-CH" smtClean="0"/>
-              <a:t>29.03.2023</a:t>
+              <a:t>31.03.2023</a:t>
             </a:fld>
             <a:endParaRPr lang="fr-CH"/>
           </a:p>
@@ -1411,7 +1416,7 @@
           <a:p>
             <a:fld id="{9BBF2347-4150-4D5E-BE3B-962BCC4C87BD}" type="datetimeFigureOut">
               <a:rPr lang="fr-CH" smtClean="0"/>
-              <a:t>29.03.2023</a:t>
+              <a:t>31.03.2023</a:t>
             </a:fld>
             <a:endParaRPr lang="fr-CH"/>
           </a:p>
@@ -1826,7 +1831,7 @@
           <a:p>
             <a:fld id="{9BBF2347-4150-4D5E-BE3B-962BCC4C87BD}" type="datetimeFigureOut">
               <a:rPr lang="fr-CH" smtClean="0"/>
-              <a:t>29.03.2023</a:t>
+              <a:t>31.03.2023</a:t>
             </a:fld>
             <a:endParaRPr lang="fr-CH"/>
           </a:p>
@@ -1968,7 +1973,7 @@
           <a:p>
             <a:fld id="{9BBF2347-4150-4D5E-BE3B-962BCC4C87BD}" type="datetimeFigureOut">
               <a:rPr lang="fr-CH" smtClean="0"/>
-              <a:t>29.03.2023</a:t>
+              <a:t>31.03.2023</a:t>
             </a:fld>
             <a:endParaRPr lang="fr-CH"/>
           </a:p>
@@ -2081,7 +2086,7 @@
           <a:p>
             <a:fld id="{9BBF2347-4150-4D5E-BE3B-962BCC4C87BD}" type="datetimeFigureOut">
               <a:rPr lang="fr-CH" smtClean="0"/>
-              <a:t>29.03.2023</a:t>
+              <a:t>31.03.2023</a:t>
             </a:fld>
             <a:endParaRPr lang="fr-CH"/>
           </a:p>
@@ -2394,7 +2399,7 @@
           <a:p>
             <a:fld id="{9BBF2347-4150-4D5E-BE3B-962BCC4C87BD}" type="datetimeFigureOut">
               <a:rPr lang="fr-CH" smtClean="0"/>
-              <a:t>29.03.2023</a:t>
+              <a:t>31.03.2023</a:t>
             </a:fld>
             <a:endParaRPr lang="fr-CH"/>
           </a:p>
@@ -2683,7 +2688,7 @@
           <a:p>
             <a:fld id="{9BBF2347-4150-4D5E-BE3B-962BCC4C87BD}" type="datetimeFigureOut">
               <a:rPr lang="fr-CH" smtClean="0"/>
-              <a:t>29.03.2023</a:t>
+              <a:t>31.03.2023</a:t>
             </a:fld>
             <a:endParaRPr lang="fr-CH"/>
           </a:p>
@@ -2926,7 +2931,7 @@
           <a:p>
             <a:fld id="{9BBF2347-4150-4D5E-BE3B-962BCC4C87BD}" type="datetimeFigureOut">
               <a:rPr lang="fr-CH" smtClean="0"/>
-              <a:t>29.03.2023</a:t>
+              <a:t>31.03.2023</a:t>
             </a:fld>
             <a:endParaRPr lang="fr-CH"/>
           </a:p>
@@ -3742,7 +3747,7 @@
         </p:blipFill>
         <p:spPr>
           <a:xfrm>
-            <a:off x="7054410" y="2041869"/>
+            <a:off x="7054410" y="2322865"/>
             <a:ext cx="792000" cy="792000"/>
           </a:xfrm>
           <a:prstGeom prst="rect">
@@ -3767,13 +3772,13 @@
         </p:nvCxnSpPr>
         <p:spPr>
           <a:xfrm flipV="1">
-            <a:off x="6270128" y="2672729"/>
-            <a:ext cx="841240" cy="851279"/>
+            <a:off x="6270128" y="2944187"/>
+            <a:ext cx="827605" cy="579821"/>
           </a:xfrm>
           <a:prstGeom prst="straightConnector1">
             <a:avLst/>
           </a:prstGeom>
-          <a:ln>
+          <a:ln w="9525">
             <a:solidFill>
               <a:schemeClr val="tx1"/>
             </a:solidFill>
@@ -3815,12 +3820,12 @@
         <p:spPr>
           <a:xfrm flipV="1">
             <a:off x="7450410" y="897187"/>
-            <a:ext cx="0" cy="1144682"/>
+            <a:ext cx="0" cy="1425678"/>
           </a:xfrm>
           <a:prstGeom prst="straightConnector1">
             <a:avLst/>
           </a:prstGeom>
-          <a:ln>
+          <a:ln w="9525">
             <a:solidFill>
               <a:schemeClr val="tx1"/>
             </a:solidFill>
@@ -3923,8 +3928,8 @@
         </p:nvSpPr>
         <p:spPr>
           <a:xfrm>
-            <a:off x="5559843" y="1748534"/>
-            <a:ext cx="3946354" cy="5004692"/>
+            <a:off x="5559843" y="2157412"/>
+            <a:ext cx="3946354" cy="4595813"/>
           </a:xfrm>
           <a:prstGeom prst="roundRect">
             <a:avLst/>
@@ -4101,13 +4106,13 @@
         </p:nvCxnSpPr>
         <p:spPr>
           <a:xfrm flipH="1" flipV="1">
-            <a:off x="7771990" y="2632267"/>
-            <a:ext cx="989946" cy="891741"/>
+            <a:off x="7810410" y="2919672"/>
+            <a:ext cx="951526" cy="604336"/>
           </a:xfrm>
           <a:prstGeom prst="straightConnector1">
             <a:avLst/>
           </a:prstGeom>
-          <a:ln>
+          <a:ln w="9525">
             <a:solidFill>
               <a:schemeClr val="tx1"/>
             </a:solidFill>
@@ -4189,8 +4194,8 @@
         </p:nvSpPr>
         <p:spPr>
           <a:xfrm>
-            <a:off x="7499439" y="1976775"/>
-            <a:ext cx="1276738" cy="523220"/>
+            <a:off x="7676032" y="2362025"/>
+            <a:ext cx="1276738" cy="707886"/>
           </a:xfrm>
           <a:prstGeom prst="rect">
             <a:avLst/>
@@ -4206,8 +4211,19 @@
             <a:pPr algn="ctr"/>
             <a:r>
               <a:rPr lang="en-US" sz="1400" dirty="0"/>
-              <a:t>Elastic Load balancer</a:t>
-            </a:r>
+              <a:t>Load balancer</a:t>
+            </a:r>
+            <a:br>
+              <a:rPr lang="en-CH" sz="1400" dirty="0"/>
+            </a:br>
+            <a:r>
+              <a:rPr lang="en-US" sz="1200" dirty="0"/>
+              <a:t>35.172.196.179</a:t>
+            </a:r>
+            <a:endParaRPr lang="fr-CH" sz="1200" dirty="0"/>
+          </a:p>
+          <a:p>
+            <a:pPr algn="ctr"/>
             <a:endParaRPr lang="fr-CH" sz="1400" dirty="0"/>
           </a:p>
         </p:txBody>
@@ -4263,7 +4279,7 @@
         </p:nvSpPr>
         <p:spPr>
           <a:xfrm>
-            <a:off x="5757646" y="1876233"/>
+            <a:off x="5757646" y="2319152"/>
             <a:ext cx="624940" cy="307777"/>
           </a:xfrm>
           <a:prstGeom prst="rect">
@@ -4324,7 +4340,7 @@
         </p:blipFill>
         <p:spPr>
           <a:xfrm>
-            <a:off x="6844145" y="2030122"/>
+            <a:off x="6844145" y="2311118"/>
             <a:ext cx="326280" cy="326280"/>
           </a:xfrm>
           <a:prstGeom prst="rect">
@@ -4346,7 +4362,7 @@
         </p:nvSpPr>
         <p:spPr>
           <a:xfrm>
-            <a:off x="6343321" y="2284780"/>
+            <a:off x="6343321" y="2565776"/>
             <a:ext cx="1165617" cy="261610"/>
           </a:xfrm>
           <a:prstGeom prst="rect">
@@ -4392,7 +4408,7 @@
           <a:prstGeom prst="straightConnector1">
             <a:avLst/>
           </a:prstGeom>
-          <a:ln>
+          <a:ln w="9525">
             <a:solidFill>
               <a:schemeClr val="tx1"/>
             </a:solidFill>
@@ -4439,7 +4455,7 @@
           <a:prstGeom prst="straightConnector1">
             <a:avLst/>
           </a:prstGeom>
-          <a:ln>
+          <a:ln w="9525">
             <a:solidFill>
               <a:schemeClr val="tx1"/>
             </a:solidFill>
@@ -4749,8 +4765,8 @@
           <p:nvPr/>
         </p:nvSpPr>
         <p:spPr>
-          <a:xfrm rot="18832525">
-            <a:off x="5927014" y="2875583"/>
+          <a:xfrm rot="16200000">
+            <a:off x="4599491" y="2460305"/>
             <a:ext cx="1314266" cy="276999"/>
           </a:xfrm>
           <a:prstGeom prst="rect">
@@ -4767,126 +4783,15 @@
             <a:pPr algn="ctr"/>
             <a:r>
               <a:rPr lang="en-US" sz="1200" dirty="0"/>
-              <a:t>Host/drupal:80</a:t>
-            </a:r>
-            <a:endParaRPr lang="fr-CH" sz="1200" dirty="0"/>
-          </a:p>
-        </p:txBody>
-      </p:sp>
-      <p:sp>
-        <p:nvSpPr>
-          <p:cNvPr id="165" name="ZoneTexte 164">
-            <a:extLst>
-              <a:ext uri="{FF2B5EF4-FFF2-40B4-BE49-F238E27FC236}">
-                <a16:creationId xmlns:a16="http://schemas.microsoft.com/office/drawing/2014/main" id="{8D84B196-2506-5B52-013E-A30624391F03}"/>
-              </a:ext>
-            </a:extLst>
-          </p:cNvPr>
-          <p:cNvSpPr txBox="1"/>
-          <p:nvPr/>
-        </p:nvSpPr>
-        <p:spPr>
-          <a:xfrm rot="2504709">
-            <a:off x="7675427" y="2846007"/>
-            <a:ext cx="1314266" cy="276999"/>
-          </a:xfrm>
-          <a:prstGeom prst="rect">
-            <a:avLst/>
-          </a:prstGeom>
-          <a:noFill/>
-        </p:spPr>
-        <p:txBody>
-          <a:bodyPr wrap="square" rtlCol="0">
-            <a:spAutoFit/>
-          </a:bodyPr>
-          <a:lstStyle/>
-          <a:p>
-            <a:pPr algn="ctr"/>
-            <a:r>
-              <a:rPr lang="en-US" sz="1200" dirty="0"/>
-              <a:t>Host/drupal:80</a:t>
-            </a:r>
-            <a:endParaRPr lang="fr-CH" sz="1200" dirty="0"/>
-          </a:p>
-        </p:txBody>
-      </p:sp>
-      <p:sp>
-        <p:nvSpPr>
-          <p:cNvPr id="166" name="ZoneTexte 165">
-            <a:extLst>
-              <a:ext uri="{FF2B5EF4-FFF2-40B4-BE49-F238E27FC236}">
-                <a16:creationId xmlns:a16="http://schemas.microsoft.com/office/drawing/2014/main" id="{160B1B68-00A3-9990-6BFD-0B74D272D054}"/>
-              </a:ext>
-            </a:extLst>
-          </p:cNvPr>
-          <p:cNvSpPr txBox="1"/>
-          <p:nvPr/>
-        </p:nvSpPr>
-        <p:spPr>
-          <a:xfrm rot="2346679">
-            <a:off x="6812270" y="4702251"/>
-            <a:ext cx="827821" cy="276999"/>
-          </a:xfrm>
-          <a:prstGeom prst="rect">
-            <a:avLst/>
-          </a:prstGeom>
-          <a:noFill/>
-        </p:spPr>
-        <p:txBody>
-          <a:bodyPr wrap="square" rtlCol="0">
-            <a:spAutoFit/>
-          </a:bodyPr>
-          <a:lstStyle/>
-          <a:p>
-            <a:pPr algn="ctr"/>
-            <a:r>
-              <a:rPr lang="en-US" sz="1200" dirty="0">
-                <a:solidFill>
-                  <a:schemeClr val="tx1"/>
-                </a:solidFill>
-              </a:rPr>
-              <a:t>TCP:3306</a:t>
-            </a:r>
-            <a:endParaRPr lang="fr-CH" sz="1200" dirty="0"/>
-          </a:p>
-        </p:txBody>
-      </p:sp>
-      <p:sp>
-        <p:nvSpPr>
-          <p:cNvPr id="167" name="ZoneTexte 166">
-            <a:extLst>
-              <a:ext uri="{FF2B5EF4-FFF2-40B4-BE49-F238E27FC236}">
-                <a16:creationId xmlns:a16="http://schemas.microsoft.com/office/drawing/2014/main" id="{F1D2CA9C-802C-7772-8E0F-5E765A98BD62}"/>
-              </a:ext>
-            </a:extLst>
-          </p:cNvPr>
-          <p:cNvSpPr txBox="1"/>
-          <p:nvPr/>
-        </p:nvSpPr>
-        <p:spPr>
-          <a:xfrm rot="19264829">
-            <a:off x="7405531" y="4676712"/>
-            <a:ext cx="827821" cy="276999"/>
-          </a:xfrm>
-          <a:prstGeom prst="rect">
-            <a:avLst/>
-          </a:prstGeom>
-          <a:noFill/>
-        </p:spPr>
-        <p:txBody>
-          <a:bodyPr wrap="square" rtlCol="0">
-            <a:spAutoFit/>
-          </a:bodyPr>
-          <a:lstStyle/>
-          <a:p>
-            <a:pPr algn="ctr"/>
-            <a:r>
-              <a:rPr lang="en-US" sz="1200" dirty="0">
-                <a:solidFill>
-                  <a:schemeClr val="tx1"/>
-                </a:solidFill>
-              </a:rPr>
-              <a:t>TCP:3306</a:t>
+              <a:t>Host/</a:t>
+            </a:r>
+            <a:r>
+              <a:rPr lang="en-US" sz="1200" dirty="0" err="1"/>
+              <a:t>drupal</a:t>
+            </a:r>
+            <a:r>
+              <a:rPr lang="en-CH" sz="1200" dirty="0"/>
+              <a:t>/</a:t>
             </a:r>
             <a:endParaRPr lang="fr-CH" sz="1200" dirty="0"/>
           </a:p>
@@ -4964,6 +4869,188 @@
           </a:prstGeom>
         </p:spPr>
       </p:pic>
+      <p:cxnSp>
+        <p:nvCxnSpPr>
+          <p:cNvPr id="11" name="Connecteur : en angle 10">
+            <a:extLst>
+              <a:ext uri="{FF2B5EF4-FFF2-40B4-BE49-F238E27FC236}">
+                <a16:creationId xmlns:a16="http://schemas.microsoft.com/office/drawing/2014/main" id="{E13BD968-8BAC-6687-59E0-74A55EFE029C}"/>
+              </a:ext>
+            </a:extLst>
+          </p:cNvPr>
+          <p:cNvCxnSpPr>
+            <a:cxnSpLocks/>
+            <a:stCxn id="27" idx="2"/>
+            <a:endCxn id="139" idx="1"/>
+          </p:cNvCxnSpPr>
+          <p:nvPr/>
+        </p:nvCxnSpPr>
+        <p:spPr>
+          <a:xfrm rot="10800000" flipV="1">
+            <a:off x="6957477" y="1380765"/>
+            <a:ext cx="99390" cy="4060474"/>
+          </a:xfrm>
+          <a:prstGeom prst="bentConnector3">
+            <a:avLst>
+              <a:gd name="adj1" fmla="val 2011899"/>
+            </a:avLst>
+          </a:prstGeom>
+          <a:ln w="9525">
+            <a:solidFill>
+              <a:schemeClr val="tx1"/>
+            </a:solidFill>
+            <a:tailEnd type="triangle"/>
+          </a:ln>
+        </p:spPr>
+        <p:style>
+          <a:lnRef idx="1">
+            <a:schemeClr val="accent1"/>
+          </a:lnRef>
+          <a:fillRef idx="0">
+            <a:schemeClr val="accent1"/>
+          </a:fillRef>
+          <a:effectRef idx="0">
+            <a:schemeClr val="accent1"/>
+          </a:effectRef>
+          <a:fontRef idx="minor">
+            <a:schemeClr val="tx1"/>
+          </a:fontRef>
+        </p:style>
+      </p:cxnSp>
+      <p:cxnSp>
+        <p:nvCxnSpPr>
+          <p:cNvPr id="17" name="Connecteur : en angle 16">
+            <a:extLst>
+              <a:ext uri="{FF2B5EF4-FFF2-40B4-BE49-F238E27FC236}">
+                <a16:creationId xmlns:a16="http://schemas.microsoft.com/office/drawing/2014/main" id="{ABA6EF6E-8383-55D6-21F4-8852EA83526E}"/>
+              </a:ext>
+            </a:extLst>
+          </p:cNvPr>
+          <p:cNvCxnSpPr>
+            <a:cxnSpLocks/>
+            <a:stCxn id="27" idx="2"/>
+            <a:endCxn id="28" idx="1"/>
+          </p:cNvCxnSpPr>
+          <p:nvPr/>
+        </p:nvCxnSpPr>
+        <p:spPr>
+          <a:xfrm rot="10800000" flipV="1">
+            <a:off x="5712443" y="1380764"/>
+            <a:ext cx="1344424" cy="2409753"/>
+          </a:xfrm>
+          <a:prstGeom prst="bentConnector3">
+            <a:avLst>
+              <a:gd name="adj1" fmla="val 123026"/>
+            </a:avLst>
+          </a:prstGeom>
+          <a:ln w="9525">
+            <a:solidFill>
+              <a:schemeClr val="tx1"/>
+            </a:solidFill>
+            <a:tailEnd type="triangle"/>
+          </a:ln>
+        </p:spPr>
+        <p:style>
+          <a:lnRef idx="1">
+            <a:schemeClr val="accent1"/>
+          </a:lnRef>
+          <a:fillRef idx="0">
+            <a:schemeClr val="accent1"/>
+          </a:fillRef>
+          <a:effectRef idx="0">
+            <a:schemeClr val="accent1"/>
+          </a:effectRef>
+          <a:fontRef idx="minor">
+            <a:schemeClr val="tx1"/>
+          </a:fontRef>
+        </p:style>
+      </p:cxnSp>
+      <p:sp>
+        <p:nvSpPr>
+          <p:cNvPr id="26" name="ZoneTexte 25">
+            <a:extLst>
+              <a:ext uri="{FF2B5EF4-FFF2-40B4-BE49-F238E27FC236}">
+                <a16:creationId xmlns:a16="http://schemas.microsoft.com/office/drawing/2014/main" id="{9AB4D0F2-0D96-0567-7426-2B79D7F47F04}"/>
+              </a:ext>
+            </a:extLst>
+          </p:cNvPr>
+          <p:cNvSpPr txBox="1"/>
+          <p:nvPr/>
+        </p:nvSpPr>
+        <p:spPr>
+          <a:xfrm rot="16200000">
+            <a:off x="4257122" y="3270887"/>
+            <a:ext cx="1314266" cy="276999"/>
+          </a:xfrm>
+          <a:prstGeom prst="rect">
+            <a:avLst/>
+          </a:prstGeom>
+          <a:noFill/>
+        </p:spPr>
+        <p:txBody>
+          <a:bodyPr wrap="square" rtlCol="0">
+            <a:spAutoFit/>
+          </a:bodyPr>
+          <a:lstStyle/>
+          <a:p>
+            <a:pPr algn="ctr"/>
+            <a:r>
+              <a:rPr lang="en-US" sz="1200" dirty="0"/>
+              <a:t>Host</a:t>
+            </a:r>
+            <a:r>
+              <a:rPr lang="en-CH" sz="1200" dirty="0"/>
+              <a:t>:3306</a:t>
+            </a:r>
+            <a:endParaRPr lang="fr-CH" sz="1200" dirty="0"/>
+          </a:p>
+        </p:txBody>
+      </p:sp>
+      <p:sp>
+        <p:nvSpPr>
+          <p:cNvPr id="29" name="ZoneTexte 28">
+            <a:extLst>
+              <a:ext uri="{FF2B5EF4-FFF2-40B4-BE49-F238E27FC236}">
+                <a16:creationId xmlns:a16="http://schemas.microsoft.com/office/drawing/2014/main" id="{751235CB-C388-4ECA-1EEA-96BCBC1FD8EC}"/>
+              </a:ext>
+            </a:extLst>
+          </p:cNvPr>
+          <p:cNvSpPr txBox="1"/>
+          <p:nvPr/>
+        </p:nvSpPr>
+        <p:spPr>
+          <a:xfrm>
+            <a:off x="7428718" y="1734314"/>
+            <a:ext cx="1746364" cy="276999"/>
+          </a:xfrm>
+          <a:prstGeom prst="rect">
+            <a:avLst/>
+          </a:prstGeom>
+          <a:noFill/>
+        </p:spPr>
+        <p:txBody>
+          <a:bodyPr wrap="square" rtlCol="0">
+            <a:spAutoFit/>
+          </a:bodyPr>
+          <a:lstStyle/>
+          <a:p>
+            <a:pPr algn="ctr"/>
+            <a:r>
+              <a:rPr lang="en-US" sz="1200" dirty="0"/>
+              <a:t>35.172.196.179/</a:t>
+            </a:r>
+            <a:r>
+              <a:rPr lang="en-US" sz="1200" dirty="0" err="1"/>
+              <a:t>drupal</a:t>
+            </a:r>
+            <a:r>
+              <a:rPr lang="en-CH" sz="1200" dirty="0"/>
+              <a:t>/</a:t>
+            </a:r>
+            <a:endParaRPr lang="fr-CH" sz="1200" dirty="0"/>
+          </a:p>
+        </p:txBody>
+      </p:sp>
     </p:spTree>
     <p:extLst>
       <p:ext uri="{BB962C8B-B14F-4D97-AF65-F5344CB8AC3E}">
